--- a/docs/diagrams/ImportSequenceDiagram.pptx
+++ b/docs/diagrams/ImportSequenceDiagram.pptx
@@ -212,7 +212,7 @@
           <a:p>
             <a:fld id="{F5CC4B3F-88C1-4FFA-B1B6-F41C21DC6924}" type="datetimeFigureOut">
               <a:rPr lang="en-US" smtClean="0"/>
-              <a:t>4/13/2018</a:t>
+              <a:t>4/15/2018</a:t>
             </a:fld>
             <a:endParaRPr lang="en-US"/>
           </a:p>
@@ -658,7 +658,7 @@
           <a:p>
             <a:fld id="{78C97017-6FC3-485B-9764-EAC9E56C1D49}" type="datetimeFigureOut">
               <a:rPr lang="en-US" smtClean="0"/>
-              <a:t>4/13/2018</a:t>
+              <a:t>4/15/2018</a:t>
             </a:fld>
             <a:endParaRPr lang="en-US"/>
           </a:p>
@@ -826,7 +826,7 @@
           <a:p>
             <a:fld id="{78C97017-6FC3-485B-9764-EAC9E56C1D49}" type="datetimeFigureOut">
               <a:rPr lang="en-US" smtClean="0"/>
-              <a:t>4/13/2018</a:t>
+              <a:t>4/15/2018</a:t>
             </a:fld>
             <a:endParaRPr lang="en-US"/>
           </a:p>
@@ -1004,7 +1004,7 @@
           <a:p>
             <a:fld id="{78C97017-6FC3-485B-9764-EAC9E56C1D49}" type="datetimeFigureOut">
               <a:rPr lang="en-US" smtClean="0"/>
-              <a:t>4/13/2018</a:t>
+              <a:t>4/15/2018</a:t>
             </a:fld>
             <a:endParaRPr lang="en-US"/>
           </a:p>
@@ -1172,7 +1172,7 @@
           <a:p>
             <a:fld id="{78C97017-6FC3-485B-9764-EAC9E56C1D49}" type="datetimeFigureOut">
               <a:rPr lang="en-US" smtClean="0"/>
-              <a:t>4/13/2018</a:t>
+              <a:t>4/15/2018</a:t>
             </a:fld>
             <a:endParaRPr lang="en-US"/>
           </a:p>
@@ -1417,7 +1417,7 @@
           <a:p>
             <a:fld id="{78C97017-6FC3-485B-9764-EAC9E56C1D49}" type="datetimeFigureOut">
               <a:rPr lang="en-US" smtClean="0"/>
-              <a:t>4/13/2018</a:t>
+              <a:t>4/15/2018</a:t>
             </a:fld>
             <a:endParaRPr lang="en-US"/>
           </a:p>
@@ -1702,7 +1702,7 @@
           <a:p>
             <a:fld id="{78C97017-6FC3-485B-9764-EAC9E56C1D49}" type="datetimeFigureOut">
               <a:rPr lang="en-US" smtClean="0"/>
-              <a:t>4/13/2018</a:t>
+              <a:t>4/15/2018</a:t>
             </a:fld>
             <a:endParaRPr lang="en-US"/>
           </a:p>
@@ -2121,7 +2121,7 @@
           <a:p>
             <a:fld id="{78C97017-6FC3-485B-9764-EAC9E56C1D49}" type="datetimeFigureOut">
               <a:rPr lang="en-US" smtClean="0"/>
-              <a:t>4/13/2018</a:t>
+              <a:t>4/15/2018</a:t>
             </a:fld>
             <a:endParaRPr lang="en-US"/>
           </a:p>
@@ -2238,7 +2238,7 @@
           <a:p>
             <a:fld id="{78C97017-6FC3-485B-9764-EAC9E56C1D49}" type="datetimeFigureOut">
               <a:rPr lang="en-US" smtClean="0"/>
-              <a:t>4/13/2018</a:t>
+              <a:t>4/15/2018</a:t>
             </a:fld>
             <a:endParaRPr lang="en-US"/>
           </a:p>
@@ -2333,7 +2333,7 @@
           <a:p>
             <a:fld id="{78C97017-6FC3-485B-9764-EAC9E56C1D49}" type="datetimeFigureOut">
               <a:rPr lang="en-US" smtClean="0"/>
-              <a:t>4/13/2018</a:t>
+              <a:t>4/15/2018</a:t>
             </a:fld>
             <a:endParaRPr lang="en-US"/>
           </a:p>
@@ -2608,7 +2608,7 @@
           <a:p>
             <a:fld id="{78C97017-6FC3-485B-9764-EAC9E56C1D49}" type="datetimeFigureOut">
               <a:rPr lang="en-US" smtClean="0"/>
-              <a:t>4/13/2018</a:t>
+              <a:t>4/15/2018</a:t>
             </a:fld>
             <a:endParaRPr lang="en-US"/>
           </a:p>
@@ -2860,7 +2860,7 @@
           <a:p>
             <a:fld id="{78C97017-6FC3-485B-9764-EAC9E56C1D49}" type="datetimeFigureOut">
               <a:rPr lang="en-US" smtClean="0"/>
-              <a:t>4/13/2018</a:t>
+              <a:t>4/15/2018</a:t>
             </a:fld>
             <a:endParaRPr lang="en-US"/>
           </a:p>
@@ -3071,7 +3071,7 @@
           <a:p>
             <a:fld id="{78C97017-6FC3-485B-9764-EAC9E56C1D49}" type="datetimeFigureOut">
               <a:rPr lang="en-US" smtClean="0"/>
-              <a:t>4/13/2018</a:t>
+              <a:t>4/15/2018</a:t>
             </a:fld>
             <a:endParaRPr lang="en-US"/>
           </a:p>
@@ -3516,7 +3516,7 @@
         <p:spPr>
           <a:xfrm>
             <a:off x="6858245" y="3006580"/>
-            <a:ext cx="1711679" cy="430887"/>
+            <a:ext cx="2195838" cy="430887"/>
           </a:xfrm>
           <a:prstGeom prst="rect">
             <a:avLst/>
@@ -3542,6 +3542,16 @@
           <a:p>
             <a:pPr algn="ctr"/>
             <a:r>
+              <a:rPr lang="en-US" dirty="0" err="1" smtClean="0">
+                <a:solidFill>
+                  <a:schemeClr val="accent6">
+                    <a:lumMod val="75000"/>
+                  </a:schemeClr>
+                </a:solidFill>
+              </a:rPr>
+              <a:t>readDeskBoard</a:t>
+            </a:r>
+            <a:r>
               <a:rPr lang="en-US" dirty="0" smtClean="0">
                 <a:solidFill>
                   <a:schemeClr val="accent6">
@@ -3549,7 +3559,17 @@
                   </a:schemeClr>
                 </a:solidFill>
               </a:rPr>
-              <a:t>XmlDeskBoardStorage</a:t>
+              <a:t>(</a:t>
+            </a:r>
+            <a:r>
+              <a:rPr lang="en-US" dirty="0" smtClean="0">
+                <a:solidFill>
+                  <a:schemeClr val="accent6">
+                    <a:lumMod val="75000"/>
+                  </a:schemeClr>
+                </a:solidFill>
+              </a:rPr>
+              <a:t/>
             </a:r>
             <a:br>
               <a:rPr lang="en-US" dirty="0" smtClean="0">
@@ -3561,6 +3581,16 @@
               </a:rPr>
             </a:br>
             <a:r>
+              <a:rPr lang="en-US" dirty="0" err="1" smtClean="0">
+                <a:solidFill>
+                  <a:schemeClr val="accent6">
+                    <a:lumMod val="75000"/>
+                  </a:schemeClr>
+                </a:solidFill>
+              </a:rPr>
+              <a:t>filePath.value</a:t>
+            </a:r>
+            <a:r>
               <a:rPr lang="en-US" dirty="0" smtClean="0">
                 <a:solidFill>
                   <a:schemeClr val="accent6">
@@ -3568,7 +3598,7 @@
                   </a:schemeClr>
                 </a:solidFill>
               </a:rPr>
-              <a:t>(filePath.value)</a:t>
+              <a:t>)</a:t>
             </a:r>
             <a:endParaRPr lang="en-US" dirty="0">
               <a:solidFill>
@@ -4076,11 +4106,6 @@
               </a:rPr>
               <a:t>”)</a:t>
             </a:r>
-            <a:endParaRPr lang="en-US" sz="1400" dirty="0">
-              <a:solidFill>
-                <a:srgbClr val="0070C0"/>
-              </a:solidFill>
-            </a:endParaRPr>
           </a:p>
         </p:txBody>
       </p:sp>
@@ -4164,8 +4189,8 @@
         </p:nvSpPr>
         <p:spPr>
           <a:xfrm>
-            <a:off x="3716431" y="2931706"/>
-            <a:ext cx="855809" cy="215444"/>
+            <a:off x="1629867" y="2943828"/>
+            <a:ext cx="5017883" cy="215444"/>
           </a:xfrm>
           <a:prstGeom prst="rect">
             <a:avLst/>
@@ -4191,9 +4216,14 @@
           <a:p>
             <a:pPr algn="ctr"/>
             <a:r>
-              <a:rPr lang="en-US" dirty="0"/>
-              <a:t>execute()</a:t>
-            </a:r>
+              <a:rPr lang="en-US" dirty="0" err="1" smtClean="0"/>
+              <a:t>executeUndoableCommand</a:t>
+            </a:r>
+            <a:r>
+              <a:rPr lang="en-US" dirty="0" smtClean="0"/>
+              <a:t>()</a:t>
+            </a:r>
+            <a:endParaRPr lang="en-US" dirty="0"/>
           </a:p>
         </p:txBody>
       </p:sp>
@@ -4448,13 +4478,15 @@
       <p:cxnSp>
         <p:nvCxnSpPr>
           <p:cNvPr id="71" name="Straight Connector 70"/>
-          <p:cNvCxnSpPr/>
+          <p:cNvCxnSpPr>
+            <a:stCxn id="59" idx="2"/>
+          </p:cNvCxnSpPr>
           <p:nvPr/>
         </p:nvCxnSpPr>
         <p:spPr>
-          <a:xfrm>
-            <a:off x="9155005" y="3639129"/>
-            <a:ext cx="0" cy="2342982"/>
+          <a:xfrm flipH="1">
+            <a:off x="9155005" y="1367116"/>
+            <a:ext cx="6756" cy="4614995"/>
           </a:xfrm>
           <a:prstGeom prst="line">
             <a:avLst/>
@@ -4493,8 +4525,8 @@
         </p:nvSpPr>
         <p:spPr>
           <a:xfrm>
-            <a:off x="9069962" y="3454033"/>
-            <a:ext cx="177811" cy="172784"/>
+            <a:off x="9069962" y="3222024"/>
+            <a:ext cx="177811" cy="654813"/>
           </a:xfrm>
           <a:prstGeom prst="rect">
             <a:avLst/>
@@ -4547,15 +4579,13 @@
       <p:cxnSp>
         <p:nvCxnSpPr>
           <p:cNvPr id="75" name="Straight Arrow Connector 74"/>
-          <p:cNvCxnSpPr>
-            <a:endCxn id="78" idx="3"/>
-          </p:cNvCxnSpPr>
+          <p:cNvCxnSpPr/>
           <p:nvPr/>
         </p:nvCxnSpPr>
         <p:spPr>
-          <a:xfrm flipV="1">
-            <a:off x="6820187" y="3222024"/>
-            <a:ext cx="1749737" cy="3776"/>
+          <a:xfrm>
+            <a:off x="6820187" y="3225800"/>
+            <a:ext cx="2247613" cy="0"/>
           </a:xfrm>
           <a:prstGeom prst="straightConnector1">
             <a:avLst/>
@@ -4565,47 +4595,6 @@
               <a:srgbClr val="0070C0"/>
             </a:solidFill>
             <a:tailEnd type="arrow"/>
-          </a:ln>
-        </p:spPr>
-        <p:style>
-          <a:lnRef idx="1">
-            <a:schemeClr val="accent1"/>
-          </a:lnRef>
-          <a:fillRef idx="0">
-            <a:schemeClr val="accent1"/>
-          </a:fillRef>
-          <a:effectRef idx="0">
-            <a:schemeClr val="accent1"/>
-          </a:effectRef>
-          <a:fontRef idx="minor">
-            <a:schemeClr val="tx1"/>
-          </a:fontRef>
-        </p:style>
-      </p:cxnSp>
-      <p:cxnSp>
-        <p:nvCxnSpPr>
-          <p:cNvPr id="76" name="Straight Arrow Connector 75"/>
-          <p:cNvCxnSpPr/>
-          <p:nvPr/>
-        </p:nvCxnSpPr>
-        <p:spPr>
-          <a:xfrm flipV="1">
-            <a:off x="6827523" y="3616110"/>
-            <a:ext cx="2254404" cy="11957"/>
-          </a:xfrm>
-          <a:prstGeom prst="straightConnector1">
-            <a:avLst/>
-          </a:prstGeom>
-          <a:ln w="19050">
-            <a:solidFill>
-              <a:schemeClr val="accent6">
-                <a:lumMod val="60000"/>
-                <a:lumOff val="40000"/>
-              </a:schemeClr>
-            </a:solidFill>
-            <a:prstDash val="sysDash"/>
-            <a:headEnd type="arrow" w="med" len="med"/>
-            <a:tailEnd type="none" w="med" len="med"/>
           </a:ln>
         </p:spPr>
         <p:style>
@@ -5620,8 +5609,8 @@
         </p:nvSpPr>
         <p:spPr>
           <a:xfrm>
-            <a:off x="10254378" y="4694147"/>
-            <a:ext cx="191597" cy="363730"/>
+            <a:off x="10254378" y="4387198"/>
+            <a:ext cx="191597" cy="670679"/>
           </a:xfrm>
           <a:prstGeom prst="rect">
             <a:avLst/>
@@ -5665,16 +5654,264 @@
           </a:p>
         </p:txBody>
       </p:sp>
-      <p:sp>
-        <p:nvSpPr>
-          <p:cNvPr id="39" name="Rectangle 62"/>
+      <p:cxnSp>
+        <p:nvCxnSpPr>
+          <p:cNvPr id="105" name="Straight Arrow Connector 104"/>
+          <p:cNvCxnSpPr/>
+          <p:nvPr/>
+        </p:nvCxnSpPr>
+        <p:spPr>
+          <a:xfrm flipV="1">
+            <a:off x="6827523" y="3874258"/>
+            <a:ext cx="2251618" cy="11942"/>
+          </a:xfrm>
+          <a:prstGeom prst="straightConnector1">
+            <a:avLst/>
+          </a:prstGeom>
+          <a:ln w="19050">
+            <a:solidFill>
+              <a:schemeClr val="accent6">
+                <a:lumMod val="60000"/>
+                <a:lumOff val="40000"/>
+              </a:schemeClr>
+            </a:solidFill>
+            <a:prstDash val="sysDash"/>
+            <a:headEnd type="arrow" w="med" len="med"/>
+            <a:tailEnd type="none" w="med" len="med"/>
+          </a:ln>
+        </p:spPr>
+        <p:style>
+          <a:lnRef idx="1">
+            <a:schemeClr val="accent1"/>
+          </a:lnRef>
+          <a:fillRef idx="0">
+            <a:schemeClr val="accent1"/>
+          </a:fillRef>
+          <a:effectRef idx="0">
+            <a:schemeClr val="accent1"/>
+          </a:effectRef>
+          <a:fontRef idx="minor">
+            <a:schemeClr val="tx1"/>
+          </a:fontRef>
+        </p:style>
+      </p:cxnSp>
+      <p:sp>
+        <p:nvSpPr>
+          <p:cNvPr id="106" name="TextBox 105"/>
+          <p:cNvSpPr txBox="1"/>
+          <p:nvPr/>
+        </p:nvSpPr>
+        <p:spPr>
+          <a:xfrm>
+            <a:off x="6852324" y="3667487"/>
+            <a:ext cx="2201759" cy="215444"/>
+          </a:xfrm>
+          <a:prstGeom prst="rect">
+            <a:avLst/>
+          </a:prstGeom>
+          <a:noFill/>
+        </p:spPr>
+        <p:txBody>
+          <a:bodyPr wrap="square" lIns="0" tIns="0" rIns="0" bIns="0" rtlCol="0">
+            <a:spAutoFit/>
+          </a:bodyPr>
+          <a:lstStyle>
+            <a:defPPr>
+              <a:defRPr lang="en-US"/>
+            </a:defPPr>
+            <a:lvl1pPr algn="r">
+              <a:defRPr sz="1400">
+                <a:solidFill>
+                  <a:srgbClr val="0070C0"/>
+                </a:solidFill>
+              </a:defRPr>
+            </a:lvl1pPr>
+          </a:lstStyle>
+          <a:p>
+            <a:pPr algn="ctr"/>
+            <a:r>
+              <a:rPr lang="en-US" dirty="0" err="1" smtClean="0">
+                <a:solidFill>
+                  <a:schemeClr val="accent6">
+                    <a:lumMod val="75000"/>
+                  </a:schemeClr>
+                </a:solidFill>
+              </a:rPr>
+              <a:t>toImport</a:t>
+            </a:r>
+            <a:endParaRPr lang="en-US" dirty="0">
+              <a:solidFill>
+                <a:schemeClr val="accent6">
+                  <a:lumMod val="75000"/>
+                </a:schemeClr>
+              </a:solidFill>
+            </a:endParaRPr>
+          </a:p>
+        </p:txBody>
+      </p:sp>
+      <p:cxnSp>
+        <p:nvCxnSpPr>
+          <p:cNvPr id="107" name="Straight Arrow Connector 106"/>
+          <p:cNvCxnSpPr/>
+          <p:nvPr/>
+        </p:nvCxnSpPr>
+        <p:spPr>
+          <a:xfrm>
+            <a:off x="6827523" y="4387198"/>
+            <a:ext cx="3426855" cy="0"/>
+          </a:xfrm>
+          <a:prstGeom prst="straightConnector1">
+            <a:avLst/>
+          </a:prstGeom>
+          <a:ln w="19050">
+            <a:solidFill>
+              <a:srgbClr val="0070C0"/>
+            </a:solidFill>
+            <a:tailEnd type="arrow"/>
+          </a:ln>
+        </p:spPr>
+        <p:style>
+          <a:lnRef idx="1">
+            <a:schemeClr val="accent1"/>
+          </a:lnRef>
+          <a:fillRef idx="0">
+            <a:schemeClr val="accent1"/>
+          </a:fillRef>
+          <a:effectRef idx="0">
+            <a:schemeClr val="accent1"/>
+          </a:effectRef>
+          <a:fontRef idx="minor">
+            <a:schemeClr val="tx1"/>
+          </a:fontRef>
+        </p:style>
+      </p:cxnSp>
+      <p:sp>
+        <p:nvSpPr>
+          <p:cNvPr id="110" name="TextBox 109"/>
+          <p:cNvSpPr txBox="1"/>
+          <p:nvPr/>
+        </p:nvSpPr>
+        <p:spPr>
+          <a:xfrm>
+            <a:off x="7689422" y="4191000"/>
+            <a:ext cx="1711679" cy="215444"/>
+          </a:xfrm>
+          <a:prstGeom prst="rect">
+            <a:avLst/>
+          </a:prstGeom>
+          <a:noFill/>
+        </p:spPr>
+        <p:txBody>
+          <a:bodyPr wrap="square" lIns="0" tIns="0" rIns="0" bIns="0" rtlCol="0">
+            <a:spAutoFit/>
+          </a:bodyPr>
+          <a:lstStyle>
+            <a:defPPr>
+              <a:defRPr lang="en-US"/>
+            </a:defPPr>
+            <a:lvl1pPr algn="r">
+              <a:defRPr sz="1400">
+                <a:solidFill>
+                  <a:srgbClr val="0070C0"/>
+                </a:solidFill>
+              </a:defRPr>
+            </a:lvl1pPr>
+          </a:lstStyle>
+          <a:p>
+            <a:pPr algn="ctr"/>
+            <a:r>
+              <a:rPr lang="en-US" dirty="0" err="1" smtClean="0">
+                <a:solidFill>
+                  <a:srgbClr val="7030A0"/>
+                </a:solidFill>
+              </a:rPr>
+              <a:t>addActivities</a:t>
+            </a:r>
+            <a:r>
+              <a:rPr lang="en-US" dirty="0" smtClean="0">
+                <a:solidFill>
+                  <a:srgbClr val="7030A0"/>
+                </a:solidFill>
+              </a:rPr>
+              <a:t>(</a:t>
+            </a:r>
+            <a:r>
+              <a:rPr lang="en-US" dirty="0" err="1" smtClean="0">
+                <a:solidFill>
+                  <a:srgbClr val="7030A0"/>
+                </a:solidFill>
+              </a:rPr>
+              <a:t>toImport</a:t>
+            </a:r>
+            <a:r>
+              <a:rPr lang="en-US" dirty="0" smtClean="0">
+                <a:solidFill>
+                  <a:srgbClr val="7030A0"/>
+                </a:solidFill>
+              </a:rPr>
+              <a:t>)</a:t>
+            </a:r>
+            <a:endParaRPr lang="en-US" dirty="0">
+              <a:solidFill>
+                <a:srgbClr val="7030A0"/>
+              </a:solidFill>
+            </a:endParaRPr>
+          </a:p>
+        </p:txBody>
+      </p:sp>
+      <p:cxnSp>
+        <p:nvCxnSpPr>
+          <p:cNvPr id="111" name="Straight Arrow Connector 110"/>
+          <p:cNvCxnSpPr>
+            <a:endCxn id="95" idx="2"/>
+          </p:cNvCxnSpPr>
+          <p:nvPr/>
+        </p:nvCxnSpPr>
+        <p:spPr>
+          <a:xfrm>
+            <a:off x="6827523" y="5057876"/>
+            <a:ext cx="3522654" cy="1"/>
+          </a:xfrm>
+          <a:prstGeom prst="straightConnector1">
+            <a:avLst/>
+          </a:prstGeom>
+          <a:ln w="19050">
+            <a:solidFill>
+              <a:schemeClr val="accent4">
+                <a:lumMod val="60000"/>
+                <a:lumOff val="40000"/>
+              </a:schemeClr>
+            </a:solidFill>
+            <a:prstDash val="sysDash"/>
+            <a:headEnd type="arrow" w="med" len="med"/>
+            <a:tailEnd type="none" w="med" len="med"/>
+          </a:ln>
+        </p:spPr>
+        <p:style>
+          <a:lnRef idx="1">
+            <a:schemeClr val="accent1"/>
+          </a:lnRef>
+          <a:fillRef idx="0">
+            <a:schemeClr val="accent1"/>
+          </a:fillRef>
+          <a:effectRef idx="0">
+            <a:schemeClr val="accent1"/>
+          </a:effectRef>
+          <a:fontRef idx="minor">
+            <a:schemeClr val="tx1"/>
+          </a:fontRef>
+        </p:style>
+      </p:cxnSp>
+      <p:sp>
+        <p:nvSpPr>
+          <p:cNvPr id="59" name="Rectangle 62"/>
           <p:cNvSpPr/>
           <p:nvPr/>
         </p:nvSpPr>
         <p:spPr>
           <a:xfrm>
-            <a:off x="8569924" y="2743200"/>
-            <a:ext cx="1183676" cy="710833"/>
+            <a:off x="8646509" y="1020356"/>
+            <a:ext cx="1030504" cy="346760"/>
           </a:xfrm>
           <a:prstGeom prst="rect">
             <a:avLst/>
@@ -5720,45 +5957,7 @@
                   <a:schemeClr val="bg1"/>
                 </a:solidFill>
               </a:rPr>
-              <a:t>:Xml</a:t>
-            </a:r>
-            <a:br>
-              <a:rPr lang="en-US" sz="1600" dirty="0" smtClean="0">
-                <a:solidFill>
-                  <a:schemeClr val="bg1"/>
-                </a:solidFill>
-              </a:rPr>
-            </a:br>
-            <a:r>
-              <a:rPr lang="en-US" sz="1600" dirty="0" err="1" smtClean="0">
-                <a:solidFill>
-                  <a:schemeClr val="bg1"/>
-                </a:solidFill>
-              </a:rPr>
-              <a:t>DeskBoard</a:t>
-            </a:r>
-            <a:r>
-              <a:rPr lang="en-US" sz="1600" dirty="0" smtClean="0">
-                <a:solidFill>
-                  <a:schemeClr val="bg1"/>
-                </a:solidFill>
-              </a:rPr>
-              <a:t/>
-            </a:r>
-            <a:br>
-              <a:rPr lang="en-US" sz="1600" dirty="0" smtClean="0">
-                <a:solidFill>
-                  <a:schemeClr val="bg1"/>
-                </a:solidFill>
-              </a:rPr>
-            </a:br>
-            <a:r>
-              <a:rPr lang="en-US" sz="1600" dirty="0" smtClean="0">
-                <a:solidFill>
-                  <a:schemeClr val="bg1"/>
-                </a:solidFill>
-              </a:rPr>
-              <a:t>Storage</a:t>
+              <a:t>:Storage</a:t>
             </a:r>
             <a:endParaRPr lang="en-SG" sz="1600" dirty="0">
               <a:solidFill>
@@ -5768,413 +5967,6 @@
           </a:p>
         </p:txBody>
       </p:sp>
-      <p:cxnSp>
-        <p:nvCxnSpPr>
-          <p:cNvPr id="100" name="Straight Arrow Connector 99"/>
-          <p:cNvCxnSpPr/>
-          <p:nvPr/>
-        </p:nvCxnSpPr>
-        <p:spPr>
-          <a:xfrm flipV="1">
-            <a:off x="6684819" y="4001392"/>
-            <a:ext cx="2385018" cy="3776"/>
-          </a:xfrm>
-          <a:prstGeom prst="straightConnector1">
-            <a:avLst/>
-          </a:prstGeom>
-          <a:ln w="19050">
-            <a:solidFill>
-              <a:srgbClr val="0070C0"/>
-            </a:solidFill>
-            <a:tailEnd type="arrow"/>
-          </a:ln>
-        </p:spPr>
-        <p:style>
-          <a:lnRef idx="1">
-            <a:schemeClr val="accent1"/>
-          </a:lnRef>
-          <a:fillRef idx="0">
-            <a:schemeClr val="accent1"/>
-          </a:fillRef>
-          <a:effectRef idx="0">
-            <a:schemeClr val="accent1"/>
-          </a:effectRef>
-          <a:fontRef idx="minor">
-            <a:schemeClr val="tx1"/>
-          </a:fontRef>
-        </p:style>
-      </p:cxnSp>
-      <p:sp>
-        <p:nvSpPr>
-          <p:cNvPr id="101" name="Rectangle 100"/>
-          <p:cNvSpPr/>
-          <p:nvPr/>
-        </p:nvSpPr>
-        <p:spPr>
-          <a:xfrm>
-            <a:off x="9072856" y="4001392"/>
-            <a:ext cx="177811" cy="336258"/>
-          </a:xfrm>
-          <a:prstGeom prst="rect">
-            <a:avLst/>
-          </a:prstGeom>
-          <a:solidFill>
-            <a:schemeClr val="accent6">
-              <a:lumMod val="60000"/>
-              <a:lumOff val="40000"/>
-            </a:schemeClr>
-          </a:solidFill>
-          <a:ln>
-            <a:solidFill>
-              <a:schemeClr val="accent6">
-                <a:lumMod val="60000"/>
-                <a:lumOff val="40000"/>
-              </a:schemeClr>
-            </a:solidFill>
-          </a:ln>
-          <a:effectLst/>
-        </p:spPr>
-        <p:style>
-          <a:lnRef idx="1">
-            <a:schemeClr val="accent3"/>
-          </a:lnRef>
-          <a:fillRef idx="2">
-            <a:schemeClr val="accent3"/>
-          </a:fillRef>
-          <a:effectRef idx="1">
-            <a:schemeClr val="accent3"/>
-          </a:effectRef>
-          <a:fontRef idx="minor">
-            <a:schemeClr val="dk1"/>
-          </a:fontRef>
-        </p:style>
-        <p:txBody>
-          <a:bodyPr rtlCol="0" anchor="ctr"/>
-          <a:lstStyle/>
-          <a:p>
-            <a:pPr algn="ctr"/>
-            <a:endParaRPr lang="en-SG" sz="1400">
-              <a:solidFill>
-                <a:schemeClr val="accent6">
-                  <a:lumMod val="75000"/>
-                </a:schemeClr>
-              </a:solidFill>
-            </a:endParaRPr>
-          </a:p>
-        </p:txBody>
-      </p:sp>
-      <p:sp>
-        <p:nvSpPr>
-          <p:cNvPr id="102" name="TextBox 101"/>
-          <p:cNvSpPr txBox="1"/>
-          <p:nvPr/>
-        </p:nvSpPr>
-        <p:spPr>
-          <a:xfrm>
-            <a:off x="6979359" y="3793671"/>
-            <a:ext cx="1711679" cy="215444"/>
-          </a:xfrm>
-          <a:prstGeom prst="rect">
-            <a:avLst/>
-          </a:prstGeom>
-          <a:noFill/>
-        </p:spPr>
-        <p:txBody>
-          <a:bodyPr wrap="square" lIns="0" tIns="0" rIns="0" bIns="0" rtlCol="0">
-            <a:spAutoFit/>
-          </a:bodyPr>
-          <a:lstStyle>
-            <a:defPPr>
-              <a:defRPr lang="en-US"/>
-            </a:defPPr>
-            <a:lvl1pPr algn="r">
-              <a:defRPr sz="1400">
-                <a:solidFill>
-                  <a:srgbClr val="0070C0"/>
-                </a:solidFill>
-              </a:defRPr>
-            </a:lvl1pPr>
-          </a:lstStyle>
-          <a:p>
-            <a:pPr algn="ctr"/>
-            <a:r>
-              <a:rPr lang="en-US" dirty="0" err="1" smtClean="0">
-                <a:solidFill>
-                  <a:schemeClr val="accent6">
-                    <a:lumMod val="75000"/>
-                  </a:schemeClr>
-                </a:solidFill>
-              </a:rPr>
-              <a:t>readDeskBoard</a:t>
-            </a:r>
-            <a:r>
-              <a:rPr lang="en-US" dirty="0" smtClean="0">
-                <a:solidFill>
-                  <a:schemeClr val="accent6">
-                    <a:lumMod val="75000"/>
-                  </a:schemeClr>
-                </a:solidFill>
-              </a:rPr>
-              <a:t>()</a:t>
-            </a:r>
-            <a:endParaRPr lang="en-US" dirty="0">
-              <a:solidFill>
-                <a:schemeClr val="accent6">
-                  <a:lumMod val="75000"/>
-                </a:schemeClr>
-              </a:solidFill>
-            </a:endParaRPr>
-          </a:p>
-        </p:txBody>
-      </p:sp>
-      <p:cxnSp>
-        <p:nvCxnSpPr>
-          <p:cNvPr id="105" name="Straight Arrow Connector 104"/>
-          <p:cNvCxnSpPr/>
-          <p:nvPr/>
-        </p:nvCxnSpPr>
-        <p:spPr>
-          <a:xfrm flipV="1">
-            <a:off x="6827523" y="4328674"/>
-            <a:ext cx="2251618" cy="11942"/>
-          </a:xfrm>
-          <a:prstGeom prst="straightConnector1">
-            <a:avLst/>
-          </a:prstGeom>
-          <a:ln w="19050">
-            <a:solidFill>
-              <a:schemeClr val="accent6">
-                <a:lumMod val="60000"/>
-                <a:lumOff val="40000"/>
-              </a:schemeClr>
-            </a:solidFill>
-            <a:prstDash val="sysDash"/>
-            <a:headEnd type="arrow" w="med" len="med"/>
-            <a:tailEnd type="none" w="med" len="med"/>
-          </a:ln>
-        </p:spPr>
-        <p:style>
-          <a:lnRef idx="1">
-            <a:schemeClr val="accent1"/>
-          </a:lnRef>
-          <a:fillRef idx="0">
-            <a:schemeClr val="accent1"/>
-          </a:fillRef>
-          <a:effectRef idx="0">
-            <a:schemeClr val="accent1"/>
-          </a:effectRef>
-          <a:fontRef idx="minor">
-            <a:schemeClr val="tx1"/>
-          </a:fontRef>
-        </p:style>
-      </p:cxnSp>
-      <p:sp>
-        <p:nvSpPr>
-          <p:cNvPr id="106" name="TextBox 105"/>
-          <p:cNvSpPr txBox="1"/>
-          <p:nvPr/>
-        </p:nvSpPr>
-        <p:spPr>
-          <a:xfrm>
-            <a:off x="6977896" y="4121903"/>
-            <a:ext cx="1711679" cy="215444"/>
-          </a:xfrm>
-          <a:prstGeom prst="rect">
-            <a:avLst/>
-          </a:prstGeom>
-          <a:noFill/>
-        </p:spPr>
-        <p:txBody>
-          <a:bodyPr wrap="square" lIns="0" tIns="0" rIns="0" bIns="0" rtlCol="0">
-            <a:spAutoFit/>
-          </a:bodyPr>
-          <a:lstStyle>
-            <a:defPPr>
-              <a:defRPr lang="en-US"/>
-            </a:defPPr>
-            <a:lvl1pPr algn="r">
-              <a:defRPr sz="1400">
-                <a:solidFill>
-                  <a:srgbClr val="0070C0"/>
-                </a:solidFill>
-              </a:defRPr>
-            </a:lvl1pPr>
-          </a:lstStyle>
-          <a:p>
-            <a:pPr algn="ctr"/>
-            <a:r>
-              <a:rPr lang="en-US" dirty="0" err="1" smtClean="0">
-                <a:solidFill>
-                  <a:schemeClr val="accent6">
-                    <a:lumMod val="75000"/>
-                  </a:schemeClr>
-                </a:solidFill>
-              </a:rPr>
-              <a:t>toImport</a:t>
-            </a:r>
-            <a:endParaRPr lang="en-US" dirty="0">
-              <a:solidFill>
-                <a:schemeClr val="accent6">
-                  <a:lumMod val="75000"/>
-                </a:schemeClr>
-              </a:solidFill>
-            </a:endParaRPr>
-          </a:p>
-        </p:txBody>
-      </p:sp>
-      <p:cxnSp>
-        <p:nvCxnSpPr>
-          <p:cNvPr id="107" name="Straight Arrow Connector 106"/>
-          <p:cNvCxnSpPr/>
-          <p:nvPr/>
-        </p:nvCxnSpPr>
-        <p:spPr>
-          <a:xfrm>
-            <a:off x="6827523" y="4714113"/>
-            <a:ext cx="3426855" cy="0"/>
-          </a:xfrm>
-          <a:prstGeom prst="straightConnector1">
-            <a:avLst/>
-          </a:prstGeom>
-          <a:ln w="19050">
-            <a:solidFill>
-              <a:srgbClr val="0070C0"/>
-            </a:solidFill>
-            <a:tailEnd type="arrow"/>
-          </a:ln>
-        </p:spPr>
-        <p:style>
-          <a:lnRef idx="1">
-            <a:schemeClr val="accent1"/>
-          </a:lnRef>
-          <a:fillRef idx="0">
-            <a:schemeClr val="accent1"/>
-          </a:fillRef>
-          <a:effectRef idx="0">
-            <a:schemeClr val="accent1"/>
-          </a:effectRef>
-          <a:fontRef idx="minor">
-            <a:schemeClr val="tx1"/>
-          </a:fontRef>
-        </p:style>
-      </p:cxnSp>
-      <p:sp>
-        <p:nvSpPr>
-          <p:cNvPr id="110" name="TextBox 109"/>
-          <p:cNvSpPr txBox="1"/>
-          <p:nvPr/>
-        </p:nvSpPr>
-        <p:spPr>
-          <a:xfrm>
-            <a:off x="7689422" y="4517915"/>
-            <a:ext cx="1711679" cy="215444"/>
-          </a:xfrm>
-          <a:prstGeom prst="rect">
-            <a:avLst/>
-          </a:prstGeom>
-          <a:noFill/>
-        </p:spPr>
-        <p:txBody>
-          <a:bodyPr wrap="square" lIns="0" tIns="0" rIns="0" bIns="0" rtlCol="0">
-            <a:spAutoFit/>
-          </a:bodyPr>
-          <a:lstStyle>
-            <a:defPPr>
-              <a:defRPr lang="en-US"/>
-            </a:defPPr>
-            <a:lvl1pPr algn="r">
-              <a:defRPr sz="1400">
-                <a:solidFill>
-                  <a:srgbClr val="0070C0"/>
-                </a:solidFill>
-              </a:defRPr>
-            </a:lvl1pPr>
-          </a:lstStyle>
-          <a:p>
-            <a:pPr algn="ctr"/>
-            <a:r>
-              <a:rPr lang="en-US" dirty="0" err="1" smtClean="0">
-                <a:solidFill>
-                  <a:srgbClr val="7030A0"/>
-                </a:solidFill>
-              </a:rPr>
-              <a:t>addActivities</a:t>
-            </a:r>
-            <a:r>
-              <a:rPr lang="en-US" dirty="0" smtClean="0">
-                <a:solidFill>
-                  <a:srgbClr val="7030A0"/>
-                </a:solidFill>
-              </a:rPr>
-              <a:t>(</a:t>
-            </a:r>
-            <a:r>
-              <a:rPr lang="en-US" dirty="0" err="1" smtClean="0">
-                <a:solidFill>
-                  <a:srgbClr val="7030A0"/>
-                </a:solidFill>
-              </a:rPr>
-              <a:t>toImport</a:t>
-            </a:r>
-            <a:r>
-              <a:rPr lang="en-US" dirty="0" smtClean="0">
-                <a:solidFill>
-                  <a:srgbClr val="7030A0"/>
-                </a:solidFill>
-              </a:rPr>
-              <a:t>)</a:t>
-            </a:r>
-            <a:endParaRPr lang="en-US" dirty="0">
-              <a:solidFill>
-                <a:srgbClr val="7030A0"/>
-              </a:solidFill>
-            </a:endParaRPr>
-          </a:p>
-        </p:txBody>
-      </p:sp>
-      <p:cxnSp>
-        <p:nvCxnSpPr>
-          <p:cNvPr id="111" name="Straight Arrow Connector 110"/>
-          <p:cNvCxnSpPr>
-            <a:endCxn id="95" idx="2"/>
-          </p:cNvCxnSpPr>
-          <p:nvPr/>
-        </p:nvCxnSpPr>
-        <p:spPr>
-          <a:xfrm>
-            <a:off x="6827523" y="5057876"/>
-            <a:ext cx="3522654" cy="1"/>
-          </a:xfrm>
-          <a:prstGeom prst="straightConnector1">
-            <a:avLst/>
-          </a:prstGeom>
-          <a:ln w="19050">
-            <a:solidFill>
-              <a:schemeClr val="accent4">
-                <a:lumMod val="60000"/>
-                <a:lumOff val="40000"/>
-              </a:schemeClr>
-            </a:solidFill>
-            <a:prstDash val="sysDash"/>
-            <a:headEnd type="arrow" w="med" len="med"/>
-            <a:tailEnd type="none" w="med" len="med"/>
-          </a:ln>
-        </p:spPr>
-        <p:style>
-          <a:lnRef idx="1">
-            <a:schemeClr val="accent1"/>
-          </a:lnRef>
-          <a:fillRef idx="0">
-            <a:schemeClr val="accent1"/>
-          </a:fillRef>
-          <a:effectRef idx="0">
-            <a:schemeClr val="accent1"/>
-          </a:effectRef>
-          <a:fontRef idx="minor">
-            <a:schemeClr val="tx1"/>
-          </a:fontRef>
-        </p:style>
-      </p:cxnSp>
     </p:spTree>
     <p:extLst>
       <p:ext uri="{BB962C8B-B14F-4D97-AF65-F5344CB8AC3E}">
